--- a/Semester 4/Презентация_Курсовая_Работа_Чобану_Артём_I1902.pptx
+++ b/Semester 4/Презентация_Курсовая_Работа_Чобану_Артём_I1902.pptx
@@ -275,7 +275,7 @@
           <a:p>
             <a:fld id="{44F6E6CA-0C81-45C2-8A35-68BBF7309D72}" type="datetimeFigureOut">
               <a:rPr lang="en-US" smtClean="0"/>
-              <a:t>6/19/2021</a:t>
+              <a:t>6/26/2021</a:t>
             </a:fld>
             <a:endParaRPr lang="en-US"/>
           </a:p>
@@ -475,7 +475,7 @@
           <a:p>
             <a:fld id="{44F6E6CA-0C81-45C2-8A35-68BBF7309D72}" type="datetimeFigureOut">
               <a:rPr lang="en-US" smtClean="0"/>
-              <a:t>6/19/2021</a:t>
+              <a:t>6/26/2021</a:t>
             </a:fld>
             <a:endParaRPr lang="en-US"/>
           </a:p>
@@ -685,7 +685,7 @@
           <a:p>
             <a:fld id="{44F6E6CA-0C81-45C2-8A35-68BBF7309D72}" type="datetimeFigureOut">
               <a:rPr lang="en-US" smtClean="0"/>
-              <a:t>6/19/2021</a:t>
+              <a:t>6/26/2021</a:t>
             </a:fld>
             <a:endParaRPr lang="en-US"/>
           </a:p>
@@ -885,7 +885,7 @@
           <a:p>
             <a:fld id="{44F6E6CA-0C81-45C2-8A35-68BBF7309D72}" type="datetimeFigureOut">
               <a:rPr lang="en-US" smtClean="0"/>
-              <a:t>6/19/2021</a:t>
+              <a:t>6/26/2021</a:t>
             </a:fld>
             <a:endParaRPr lang="en-US"/>
           </a:p>
@@ -1161,7 +1161,7 @@
           <a:p>
             <a:fld id="{44F6E6CA-0C81-45C2-8A35-68BBF7309D72}" type="datetimeFigureOut">
               <a:rPr lang="en-US" smtClean="0"/>
-              <a:t>6/19/2021</a:t>
+              <a:t>6/26/2021</a:t>
             </a:fld>
             <a:endParaRPr lang="en-US"/>
           </a:p>
@@ -1429,7 +1429,7 @@
           <a:p>
             <a:fld id="{44F6E6CA-0C81-45C2-8A35-68BBF7309D72}" type="datetimeFigureOut">
               <a:rPr lang="en-US" smtClean="0"/>
-              <a:t>6/19/2021</a:t>
+              <a:t>6/26/2021</a:t>
             </a:fld>
             <a:endParaRPr lang="en-US"/>
           </a:p>
@@ -1844,7 +1844,7 @@
           <a:p>
             <a:fld id="{44F6E6CA-0C81-45C2-8A35-68BBF7309D72}" type="datetimeFigureOut">
               <a:rPr lang="en-US" smtClean="0"/>
-              <a:t>6/19/2021</a:t>
+              <a:t>6/26/2021</a:t>
             </a:fld>
             <a:endParaRPr lang="en-US"/>
           </a:p>
@@ -1986,7 +1986,7 @@
           <a:p>
             <a:fld id="{44F6E6CA-0C81-45C2-8A35-68BBF7309D72}" type="datetimeFigureOut">
               <a:rPr lang="en-US" smtClean="0"/>
-              <a:t>6/19/2021</a:t>
+              <a:t>6/26/2021</a:t>
             </a:fld>
             <a:endParaRPr lang="en-US"/>
           </a:p>
@@ -2099,7 +2099,7 @@
           <a:p>
             <a:fld id="{44F6E6CA-0C81-45C2-8A35-68BBF7309D72}" type="datetimeFigureOut">
               <a:rPr lang="en-US" smtClean="0"/>
-              <a:t>6/19/2021</a:t>
+              <a:t>6/26/2021</a:t>
             </a:fld>
             <a:endParaRPr lang="en-US"/>
           </a:p>
@@ -2412,7 +2412,7 @@
           <a:p>
             <a:fld id="{44F6E6CA-0C81-45C2-8A35-68BBF7309D72}" type="datetimeFigureOut">
               <a:rPr lang="en-US" smtClean="0"/>
-              <a:t>6/19/2021</a:t>
+              <a:t>6/26/2021</a:t>
             </a:fld>
             <a:endParaRPr lang="en-US"/>
           </a:p>
@@ -2701,7 +2701,7 @@
           <a:p>
             <a:fld id="{44F6E6CA-0C81-45C2-8A35-68BBF7309D72}" type="datetimeFigureOut">
               <a:rPr lang="en-US" smtClean="0"/>
-              <a:t>6/19/2021</a:t>
+              <a:t>6/26/2021</a:t>
             </a:fld>
             <a:endParaRPr lang="en-US"/>
           </a:p>
@@ -2944,7 +2944,7 @@
           <a:p>
             <a:fld id="{44F6E6CA-0C81-45C2-8A35-68BBF7309D72}" type="datetimeFigureOut">
               <a:rPr lang="en-US" smtClean="0"/>
-              <a:t>6/19/2021</a:t>
+              <a:t>6/26/2021</a:t>
             </a:fld>
             <a:endParaRPr lang="en-US"/>
           </a:p>
@@ -3491,7 +3491,7 @@
         </p:nvSpPr>
         <p:spPr>
           <a:xfrm>
-            <a:off x="7612380" y="3521541"/>
+            <a:off x="7667244" y="2335227"/>
             <a:ext cx="3831335" cy="1323439"/>
           </a:xfrm>
           <a:prstGeom prst="rect">
@@ -3589,7 +3589,7 @@
         </p:nvSpPr>
         <p:spPr>
           <a:xfrm>
-            <a:off x="8199648" y="4966328"/>
+            <a:off x="8254512" y="3658666"/>
             <a:ext cx="3244067" cy="1015663"/>
           </a:xfrm>
           <a:prstGeom prst="rect">
@@ -3841,6 +3841,63 @@
               <a:t>Июнь 2021</a:t>
             </a:r>
             <a:endParaRPr lang="en-GB" dirty="0"/>
+          </a:p>
+        </p:txBody>
+      </p:sp>
+      <p:sp>
+        <p:nvSpPr>
+          <p:cNvPr id="6" name="TextBox 5">
+            <a:extLst>
+              <a:ext uri="{FF2B5EF4-FFF2-40B4-BE49-F238E27FC236}">
+                <a16:creationId xmlns:a16="http://schemas.microsoft.com/office/drawing/2014/main" id="{FD0A3210-47CB-4B8C-9054-D4247132DB23}"/>
+              </a:ext>
+            </a:extLst>
+          </p:cNvPr>
+          <p:cNvSpPr txBox="1"/>
+          <p:nvPr/>
+        </p:nvSpPr>
+        <p:spPr>
+          <a:xfrm>
+            <a:off x="9712950" y="5005119"/>
+            <a:ext cx="1785629" cy="707886"/>
+          </a:xfrm>
+          <a:prstGeom prst="rect">
+            <a:avLst/>
+          </a:prstGeom>
+          <a:noFill/>
+        </p:spPr>
+        <p:txBody>
+          <a:bodyPr wrap="square">
+            <a:spAutoFit/>
+          </a:bodyPr>
+          <a:lstStyle/>
+          <a:p>
+            <a:pPr algn="r"/>
+            <a:r>
+              <a:rPr lang="ru-RU" sz="2000" dirty="0">
+                <a:latin typeface="Comfortaa Regular"/>
+                <a:sym typeface="Comfortaa Regular"/>
+              </a:rPr>
+              <a:t>Руководитель:</a:t>
+            </a:r>
+          </a:p>
+          <a:p>
+            <a:pPr algn="r"/>
+            <a:r>
+              <a:rPr lang="ru-RU" sz="2000" dirty="0">
+                <a:latin typeface="Comfortaa Regular"/>
+                <a:sym typeface="Comfortaa Regular"/>
+              </a:rPr>
+              <a:t>Георгий </a:t>
+            </a:r>
+            <a:r>
+              <a:rPr lang="ru-RU" sz="2000" dirty="0" err="1">
+                <a:latin typeface="Comfortaa Regular"/>
+                <a:sym typeface="Comfortaa Regular"/>
+              </a:rPr>
+              <a:t>Латул</a:t>
+            </a:r>
+            <a:endParaRPr lang="en-US" sz="2000" b="1" dirty="0"/>
           </a:p>
         </p:txBody>
       </p:sp>
@@ -4201,13 +4258,10 @@
               <a:t>ControllerBase</a:t>
             </a:r>
             <a:r>
-              <a:rPr lang="en-US" sz="2400" dirty="0"/>
+              <a:rPr lang="en-US" sz="2400"/>
               <a:t>.</a:t>
             </a:r>
-            <a:r>
-              <a:rPr lang="ru-RU" sz="2400" dirty="0"/>
-              <a:t>\</a:t>
-            </a:r>
+            <a:endParaRPr lang="ru-RU" sz="2400" dirty="0"/>
           </a:p>
           <a:p>
             <a:pPr marL="0" indent="0">
